--- a/docs/Governed_Database_Deployments_FINAL.pptx
+++ b/docs/Governed_Database_Deployments_FINAL.pptx
@@ -217,7 +217,7 @@
           <a:p>
             <a:fld id="{56AABDC2-9A40-445A-BD03-E1C2F41B28C1}" type="datetimeFigureOut">
               <a:rPr lang="en-US" smtClean="0"/>
-              <a:t>2/13/2026</a:t>
+              <a:t>2/17/2026</a:t>
             </a:fld>
             <a:endParaRPr lang="en-US"/>
           </a:p>
@@ -508,7 +508,7 @@
             <a:spLocks noGrp="1" noRot="1" noChangeAspect="1"/>
           </p:cNvSpPr>
           <p:nvPr>
-            <p:ph type="sldImg" idx="2"/>
+            <p:ph type="sldImg"/>
           </p:nvPr>
         </p:nvSpPr>
         <p:spPr/>
@@ -520,17 +520,15 @@
             <a:spLocks noGrp="1"/>
           </p:cNvSpPr>
           <p:nvPr>
-            <p:ph type="body" sz="quarter" idx="3"/>
-          </p:nvPr>
-        </p:nvSpPr>
-        <p:spPr/>
-        <p:txBody>
-          <a:bodyPr/>
-          <a:lstStyle/>
-          <a:p>
-            <a:r>
-              <a:t>High-level overview for directors and architecture board.</a:t>
-            </a:r>
+            <p:ph type="body" idx="1"/>
+          </p:nvPr>
+        </p:nvSpPr>
+        <p:spPr/>
+        <p:txBody>
+          <a:bodyPr/>
+          <a:lstStyle/>
+          <a:p>
+            <a:endParaRPr lang="pt-BR"/>
           </a:p>
         </p:txBody>
       </p:sp>
@@ -545,8 +543,131 @@
           </p:nvPr>
         </p:nvSpPr>
         <p:spPr/>
+        <p:txBody>
+          <a:bodyPr/>
+          <a:lstStyle/>
+          <a:p>
+            <a:fld id="{0C5FD791-366A-4A16-B46A-BA17DCF875ED}" type="slidenum">
+              <a:rPr lang="en-US" smtClean="0"/>
+              <a:t>1</a:t>
+            </a:fld>
+            <a:endParaRPr lang="en-US"/>
+          </a:p>
+        </p:txBody>
       </p:sp>
     </p:spTree>
+    <p:extLst>
+      <p:ext uri="{BB962C8B-B14F-4D97-AF65-F5344CB8AC3E}">
+        <p14:creationId xmlns:p14="http://schemas.microsoft.com/office/powerpoint/2010/main" val="2616561200"/>
+      </p:ext>
+    </p:extLst>
+  </p:cSld>
+  <p:clrMapOvr>
+    <a:masterClrMapping/>
+  </p:clrMapOvr>
+</p:notes>
+</file>
+
+<file path=ppt/notesSlides/notesSlide10.xml><?xml version="1.0" encoding="utf-8"?>
+<p:notes xmlns:a="http://schemas.openxmlformats.org/drawingml/2006/main" xmlns:r="http://schemas.openxmlformats.org/officeDocument/2006/relationships" xmlns:p="http://schemas.openxmlformats.org/presentationml/2006/main">
+  <p:cSld>
+    <p:spTree>
+      <p:nvGrpSpPr>
+        <p:cNvPr id="1" name=""/>
+        <p:cNvGrpSpPr/>
+        <p:nvPr/>
+      </p:nvGrpSpPr>
+      <p:grpSpPr>
+        <a:xfrm>
+          <a:off x="0" y="0"/>
+          <a:ext cx="0" cy="0"/>
+          <a:chOff x="0" y="0"/>
+          <a:chExt cx="0" cy="0"/>
+        </a:xfrm>
+      </p:grpSpPr>
+      <p:sp>
+        <p:nvSpPr>
+          <p:cNvPr id="2" name="Slide Image Placeholder 1"/>
+          <p:cNvSpPr>
+            <a:spLocks noGrp="1" noRot="1" noChangeAspect="1"/>
+          </p:cNvSpPr>
+          <p:nvPr>
+            <p:ph type="sldImg"/>
+          </p:nvPr>
+        </p:nvSpPr>
+        <p:spPr/>
+      </p:sp>
+      <p:sp>
+        <p:nvSpPr>
+          <p:cNvPr id="3" name="Notes Placeholder 2"/>
+          <p:cNvSpPr>
+            <a:spLocks noGrp="1"/>
+          </p:cNvSpPr>
+          <p:nvPr>
+            <p:ph type="body" idx="1"/>
+          </p:nvPr>
+        </p:nvSpPr>
+        <p:spPr/>
+        <p:txBody>
+          <a:bodyPr/>
+          <a:lstStyle/>
+          <a:p>
+            <a:pPr marL="0" marR="0" lvl="0" indent="0" algn="l" defTabSz="914400" rtl="0" eaLnBrk="1" fontAlgn="auto" latinLnBrk="0" hangingPunct="1">
+              <a:lnSpc>
+                <a:spcPct val="100000"/>
+              </a:lnSpc>
+              <a:spcBef>
+                <a:spcPts val="0"/>
+              </a:spcBef>
+              <a:spcAft>
+                <a:spcPts val="0"/>
+              </a:spcAft>
+              <a:buClrTx/>
+              <a:buSzTx/>
+              <a:buFontTx/>
+              <a:buNone/>
+              <a:tabLst/>
+              <a:defRPr/>
+            </a:pPr>
+            <a:r>
+              <a:rPr lang="en-US"/>
+              <a:t>Close with future scalability and roadmap.</a:t>
+            </a:r>
+          </a:p>
+          <a:p>
+            <a:endParaRPr lang="en-US"/>
+          </a:p>
+        </p:txBody>
+      </p:sp>
+      <p:sp>
+        <p:nvSpPr>
+          <p:cNvPr id="4" name="Slide Number Placeholder 3"/>
+          <p:cNvSpPr>
+            <a:spLocks noGrp="1"/>
+          </p:cNvSpPr>
+          <p:nvPr>
+            <p:ph type="sldNum" sz="quarter" idx="5"/>
+          </p:nvPr>
+        </p:nvSpPr>
+        <p:spPr/>
+        <p:txBody>
+          <a:bodyPr/>
+          <a:lstStyle/>
+          <a:p>
+            <a:fld id="{0C5FD791-366A-4A16-B46A-BA17DCF875ED}" type="slidenum">
+              <a:rPr lang="en-US" smtClean="0"/>
+              <a:t>10</a:t>
+            </a:fld>
+            <a:endParaRPr lang="en-US"/>
+          </a:p>
+        </p:txBody>
+      </p:sp>
+    </p:spTree>
+    <p:extLst>
+      <p:ext uri="{BB962C8B-B14F-4D97-AF65-F5344CB8AC3E}">
+        <p14:creationId xmlns:p14="http://schemas.microsoft.com/office/powerpoint/2010/main" val="1089205198"/>
+      </p:ext>
+    </p:extLst>
   </p:cSld>
   <p:clrMapOvr>
     <a:masterClrMapping/>
@@ -578,7 +699,7 @@
             <a:spLocks noGrp="1" noRot="1" noChangeAspect="1"/>
           </p:cNvSpPr>
           <p:nvPr>
-            <p:ph type="sldImg"/>
+            <p:ph type="sldImg" idx="2"/>
           </p:nvPr>
         </p:nvSpPr>
         <p:spPr/>
@@ -590,50 +711,17 @@
             <a:spLocks noGrp="1"/>
           </p:cNvSpPr>
           <p:nvPr>
-            <p:ph type="body" idx="1"/>
-          </p:nvPr>
-        </p:nvSpPr>
-        <p:spPr/>
-        <p:txBody>
-          <a:bodyPr/>
-          <a:lstStyle/>
-          <a:p>
-            <a:pPr marL="0" marR="0" lvl="0" indent="0" algn="l" defTabSz="914400" rtl="0" eaLnBrk="1" fontAlgn="auto" latinLnBrk="0" hangingPunct="1">
-              <a:lnSpc>
-                <a:spcPct val="100000"/>
-              </a:lnSpc>
-              <a:spcBef>
-                <a:spcPts val="0"/>
-              </a:spcBef>
-              <a:spcAft>
-                <a:spcPts val="0"/>
-              </a:spcAft>
-              <a:buClrTx/>
-              <a:buSzTx/>
-              <a:buFontTx/>
-              <a:buNone/>
-              <a:tabLst/>
-              <a:defRPr/>
-            </a:pPr>
-            <a:r>
-              <a:rPr lang="en-US" dirty="0"/>
-              <a:t>These issues are typical in legacy and EBS-like systems.</a:t>
-            </a:r>
-          </a:p>
-          <a:p>
-            <a:r>
-              <a:rPr lang="en-US" dirty="0"/>
-              <a:t>DDL data definition language</a:t>
-            </a:r>
-          </a:p>
-          <a:p>
-            <a:r>
-              <a:rPr lang="en-US" dirty="0"/>
-              <a:t>DML data manipulation language</a:t>
-            </a:r>
-          </a:p>
-          <a:p>
-            <a:endParaRPr lang="en-US" dirty="0"/>
+            <p:ph type="body" sz="quarter" idx="3"/>
+          </p:nvPr>
+        </p:nvSpPr>
+        <p:spPr/>
+        <p:txBody>
+          <a:bodyPr/>
+          <a:lstStyle/>
+          <a:p>
+            <a:r>
+              <a:t>High-level overview for directors and architecture board.</a:t>
+            </a:r>
           </a:p>
         </p:txBody>
       </p:sp>
@@ -648,24 +736,8 @@
           </p:nvPr>
         </p:nvSpPr>
         <p:spPr/>
-        <p:txBody>
-          <a:bodyPr/>
-          <a:lstStyle/>
-          <a:p>
-            <a:fld id="{0C5FD791-366A-4A16-B46A-BA17DCF875ED}" type="slidenum">
-              <a:rPr lang="en-US" smtClean="0"/>
-              <a:t>3</a:t>
-            </a:fld>
-            <a:endParaRPr lang="en-US"/>
-          </a:p>
-        </p:txBody>
       </p:sp>
     </p:spTree>
-    <p:extLst>
-      <p:ext uri="{BB962C8B-B14F-4D97-AF65-F5344CB8AC3E}">
-        <p14:creationId xmlns:p14="http://schemas.microsoft.com/office/powerpoint/2010/main" val="1649476414"/>
-      </p:ext>
-    </p:extLst>
   </p:cSld>
   <p:clrMapOvr>
     <a:masterClrMapping/>
@@ -736,7 +808,19 @@
             </a:pPr>
             <a:r>
               <a:rPr lang="en-US" dirty="0"/>
-              <a:t>Stress compliance, security, and operational safety.</a:t>
+              <a:t>These issues are typical in legacy and EBS-like systems.</a:t>
+            </a:r>
+          </a:p>
+          <a:p>
+            <a:r>
+              <a:rPr lang="en-US" dirty="0"/>
+              <a:t>DDL data definition language</a:t>
+            </a:r>
+          </a:p>
+          <a:p>
+            <a:r>
+              <a:rPr lang="en-US" dirty="0"/>
+              <a:t>DML data manipulation language</a:t>
             </a:r>
           </a:p>
           <a:p>
@@ -761,7 +845,7 @@
           <a:p>
             <a:fld id="{0C5FD791-366A-4A16-B46A-BA17DCF875ED}" type="slidenum">
               <a:rPr lang="en-US" smtClean="0"/>
-              <a:t>4</a:t>
+              <a:t>3</a:t>
             </a:fld>
             <a:endParaRPr lang="en-US"/>
           </a:p>
@@ -770,7 +854,7 @@
     </p:spTree>
     <p:extLst>
       <p:ext uri="{BB962C8B-B14F-4D97-AF65-F5344CB8AC3E}">
-        <p14:creationId xmlns:p14="http://schemas.microsoft.com/office/powerpoint/2010/main" val="667900224"/>
+        <p14:creationId xmlns:p14="http://schemas.microsoft.com/office/powerpoint/2010/main" val="1649476414"/>
       </p:ext>
     </p:extLst>
   </p:cSld>
@@ -843,7 +927,7 @@
             </a:pPr>
             <a:r>
               <a:rPr lang="en-US" dirty="0"/>
-              <a:t>Contrast the old and new models clearly.</a:t>
+              <a:t>Stress compliance, security, and operational safety.</a:t>
             </a:r>
           </a:p>
           <a:p>
@@ -868,7 +952,7 @@
           <a:p>
             <a:fld id="{0C5FD791-366A-4A16-B46A-BA17DCF875ED}" type="slidenum">
               <a:rPr lang="en-US" smtClean="0"/>
-              <a:t>5</a:t>
+              <a:t>4</a:t>
             </a:fld>
             <a:endParaRPr lang="en-US"/>
           </a:p>
@@ -877,7 +961,7 @@
     </p:spTree>
     <p:extLst>
       <p:ext uri="{BB962C8B-B14F-4D97-AF65-F5344CB8AC3E}">
-        <p14:creationId xmlns:p14="http://schemas.microsoft.com/office/powerpoint/2010/main" val="3878317528"/>
+        <p14:creationId xmlns:p14="http://schemas.microsoft.com/office/powerpoint/2010/main" val="667900224"/>
       </p:ext>
     </p:extLst>
   </p:cSld>
@@ -931,75 +1015,29 @@
           <a:bodyPr/>
           <a:lstStyle/>
           <a:p>
+            <a:pPr marL="0" marR="0" lvl="0" indent="0" algn="l" defTabSz="914400" rtl="0" eaLnBrk="1" fontAlgn="auto" latinLnBrk="0" hangingPunct="1">
+              <a:lnSpc>
+                <a:spcPct val="100000"/>
+              </a:lnSpc>
+              <a:spcBef>
+                <a:spcPts val="0"/>
+              </a:spcBef>
+              <a:spcAft>
+                <a:spcPts val="0"/>
+              </a:spcAft>
+              <a:buClrTx/>
+              <a:buSzTx/>
+              <a:buFontTx/>
+              <a:buNone/>
+              <a:tabLst/>
+              <a:defRPr/>
+            </a:pPr>
             <a:r>
               <a:rPr lang="en-US" dirty="0"/>
-              <a:t>In </a:t>
-            </a:r>
-            <a:r>
-              <a:rPr lang="en-US" sz="1200" b="0" i="0" kern="1200" dirty="0">
-                <a:solidFill>
-                  <a:schemeClr val="tx1"/>
-                </a:solidFill>
-                <a:effectLst/>
-                <a:latin typeface="+mn-lt"/>
-                <a:ea typeface="+mn-ea"/>
-                <a:cs typeface="+mn-cs"/>
-                <a:hlinkClick r:id="rId3"/>
-              </a:rPr>
-              <a:t>Apache Airflow</a:t>
-            </a:r>
-            <a:r>
-              <a:rPr lang="en-US" sz="1200" b="0" i="0" kern="1200" dirty="0">
-                <a:solidFill>
-                  <a:schemeClr val="tx1"/>
-                </a:solidFill>
-                <a:effectLst/>
-                <a:latin typeface="+mn-lt"/>
-                <a:ea typeface="+mn-ea"/>
-                <a:cs typeface="+mn-cs"/>
-              </a:rPr>
-              <a:t>, a </a:t>
-            </a:r>
-            <a:r>
-              <a:rPr lang="en-US" sz="1200" b="1" i="0" kern="1200" dirty="0">
-                <a:solidFill>
-                  <a:schemeClr val="tx1"/>
-                </a:solidFill>
-                <a:effectLst/>
-                <a:latin typeface="+mn-lt"/>
-                <a:ea typeface="+mn-ea"/>
-                <a:cs typeface="+mn-cs"/>
-              </a:rPr>
-              <a:t>DAG (Directed Acyclic Graph)</a:t>
-            </a:r>
-            <a:r>
-              <a:rPr lang="en-US" sz="1200" b="0" i="0" kern="1200" dirty="0">
-                <a:solidFill>
-                  <a:schemeClr val="tx1"/>
-                </a:solidFill>
-                <a:effectLst/>
-                <a:latin typeface="+mn-lt"/>
-                <a:ea typeface="+mn-ea"/>
-                <a:cs typeface="+mn-cs"/>
-              </a:rPr>
-              <a:t> is </a:t>
-            </a:r>
-            <a:r>
-              <a:rPr lang="en-US" dirty="0"/>
-              <a:t>the central concept used to define and orchestrate workflows</a:t>
-            </a:r>
-            <a:r>
-              <a:rPr lang="en-US" sz="1200" b="0" i="0" kern="1200" dirty="0">
-                <a:solidFill>
-                  <a:schemeClr val="tx1"/>
-                </a:solidFill>
-                <a:effectLst/>
-                <a:latin typeface="+mn-lt"/>
-                <a:ea typeface="+mn-ea"/>
-                <a:cs typeface="+mn-cs"/>
-              </a:rPr>
-              <a:t>. It is a collection of tasks organized with dependencies and relationships, specifying the order in which they should run. </a:t>
-            </a:r>
+              <a:t>Contrast the old and new models clearly.</a:t>
+            </a:r>
+          </a:p>
+          <a:p>
             <a:endParaRPr lang="en-US" dirty="0"/>
           </a:p>
         </p:txBody>
@@ -1021,7 +1059,7 @@
           <a:p>
             <a:fld id="{0C5FD791-366A-4A16-B46A-BA17DCF875ED}" type="slidenum">
               <a:rPr lang="en-US" smtClean="0"/>
-              <a:t>6</a:t>
+              <a:t>5</a:t>
             </a:fld>
             <a:endParaRPr lang="en-US"/>
           </a:p>
@@ -1030,7 +1068,7 @@
     </p:spTree>
     <p:extLst>
       <p:ext uri="{BB962C8B-B14F-4D97-AF65-F5344CB8AC3E}">
-        <p14:creationId xmlns:p14="http://schemas.microsoft.com/office/powerpoint/2010/main" val="2577418088"/>
+        <p14:creationId xmlns:p14="http://schemas.microsoft.com/office/powerpoint/2010/main" val="3878317528"/>
       </p:ext>
     </p:extLst>
   </p:cSld>
@@ -1084,37 +1122,75 @@
           <a:bodyPr/>
           <a:lstStyle/>
           <a:p>
-            <a:pPr marL="0" marR="0" lvl="0" indent="0" algn="l" defTabSz="914400" rtl="0" eaLnBrk="1" fontAlgn="auto" latinLnBrk="0" hangingPunct="1">
-              <a:lnSpc>
-                <a:spcPct val="100000"/>
-              </a:lnSpc>
-              <a:spcBef>
-                <a:spcPts val="0"/>
-              </a:spcBef>
-              <a:spcAft>
-                <a:spcPts val="0"/>
-              </a:spcAft>
-              <a:buClrTx/>
-              <a:buSzTx/>
-              <a:buFontTx/>
-              <a:buNone/>
-              <a:tabLst/>
-              <a:defRPr/>
-            </a:pPr>
             <a:r>
               <a:rPr lang="en-US" dirty="0"/>
-              <a:t>Explain how this mirrors </a:t>
-            </a:r>
-            <a:r>
-              <a:rPr lang="en-US" dirty="0" err="1"/>
-              <a:t>ArgoCD</a:t>
+              <a:t>In </a:t>
+            </a:r>
+            <a:r>
+              <a:rPr lang="en-US" sz="1200" b="0" i="0" kern="1200" dirty="0">
+                <a:solidFill>
+                  <a:schemeClr val="tx1"/>
+                </a:solidFill>
+                <a:effectLst/>
+                <a:latin typeface="+mn-lt"/>
+                <a:ea typeface="+mn-ea"/>
+                <a:cs typeface="+mn-cs"/>
+                <a:hlinkClick r:id="rId3"/>
+              </a:rPr>
+              <a:t>Apache Airflow</a:t>
+            </a:r>
+            <a:r>
+              <a:rPr lang="en-US" sz="1200" b="0" i="0" kern="1200" dirty="0">
+                <a:solidFill>
+                  <a:schemeClr val="tx1"/>
+                </a:solidFill>
+                <a:effectLst/>
+                <a:latin typeface="+mn-lt"/>
+                <a:ea typeface="+mn-ea"/>
+                <a:cs typeface="+mn-cs"/>
+              </a:rPr>
+              <a:t>, a </a:t>
+            </a:r>
+            <a:r>
+              <a:rPr lang="en-US" sz="1200" b="1" i="0" kern="1200" dirty="0">
+                <a:solidFill>
+                  <a:schemeClr val="tx1"/>
+                </a:solidFill>
+                <a:effectLst/>
+                <a:latin typeface="+mn-lt"/>
+                <a:ea typeface="+mn-ea"/>
+                <a:cs typeface="+mn-cs"/>
+              </a:rPr>
+              <a:t>DAG (Directed Acyclic Graph)</a:t>
+            </a:r>
+            <a:r>
+              <a:rPr lang="en-US" sz="1200" b="0" i="0" kern="1200" dirty="0">
+                <a:solidFill>
+                  <a:schemeClr val="tx1"/>
+                </a:solidFill>
+                <a:effectLst/>
+                <a:latin typeface="+mn-lt"/>
+                <a:ea typeface="+mn-ea"/>
+                <a:cs typeface="+mn-cs"/>
+              </a:rPr>
+              <a:t> is </a:t>
             </a:r>
             <a:r>
               <a:rPr lang="en-US" dirty="0"/>
-              <a:t>-style pull models.</a:t>
-            </a:r>
-          </a:p>
-          <a:p>
+              <a:t>the central concept used to define and orchestrate workflows</a:t>
+            </a:r>
+            <a:r>
+              <a:rPr lang="en-US" sz="1200" b="0" i="0" kern="1200" dirty="0">
+                <a:solidFill>
+                  <a:schemeClr val="tx1"/>
+                </a:solidFill>
+                <a:effectLst/>
+                <a:latin typeface="+mn-lt"/>
+                <a:ea typeface="+mn-ea"/>
+                <a:cs typeface="+mn-cs"/>
+              </a:rPr>
+              <a:t>. It is a collection of tasks organized with dependencies and relationships, specifying the order in which they should run. </a:t>
+            </a:r>
             <a:endParaRPr lang="en-US" dirty="0"/>
           </a:p>
         </p:txBody>
@@ -1136,7 +1212,7 @@
           <a:p>
             <a:fld id="{0C5FD791-366A-4A16-B46A-BA17DCF875ED}" type="slidenum">
               <a:rPr lang="en-US" smtClean="0"/>
-              <a:t>7</a:t>
+              <a:t>6</a:t>
             </a:fld>
             <a:endParaRPr lang="en-US"/>
           </a:p>
@@ -1145,7 +1221,7 @@
     </p:spTree>
     <p:extLst>
       <p:ext uri="{BB962C8B-B14F-4D97-AF65-F5344CB8AC3E}">
-        <p14:creationId xmlns:p14="http://schemas.microsoft.com/office/powerpoint/2010/main" val="1740638659"/>
+        <p14:creationId xmlns:p14="http://schemas.microsoft.com/office/powerpoint/2010/main" val="2577418088"/>
       </p:ext>
     </p:extLst>
   </p:cSld>
@@ -1218,7 +1294,15 @@
             </a:pPr>
             <a:r>
               <a:rPr lang="en-US" dirty="0"/>
-              <a:t>Important slide for security teams and DBAs.</a:t>
+              <a:t>Explain how this mirrors </a:t>
+            </a:r>
+            <a:r>
+              <a:rPr lang="en-US" dirty="0" err="1"/>
+              <a:t>ArgoCD</a:t>
+            </a:r>
+            <a:r>
+              <a:rPr lang="en-US" dirty="0"/>
+              <a:t>-style pull models.</a:t>
             </a:r>
           </a:p>
           <a:p>
@@ -1243,7 +1327,7 @@
           <a:p>
             <a:fld id="{0C5FD791-366A-4A16-B46A-BA17DCF875ED}" type="slidenum">
               <a:rPr lang="en-US" smtClean="0"/>
-              <a:t>8</a:t>
+              <a:t>7</a:t>
             </a:fld>
             <a:endParaRPr lang="en-US"/>
           </a:p>
@@ -1252,7 +1336,7 @@
     </p:spTree>
     <p:extLst>
       <p:ext uri="{BB962C8B-B14F-4D97-AF65-F5344CB8AC3E}">
-        <p14:creationId xmlns:p14="http://schemas.microsoft.com/office/powerpoint/2010/main" val="4282328155"/>
+        <p14:creationId xmlns:p14="http://schemas.microsoft.com/office/powerpoint/2010/main" val="1740638659"/>
       </p:ext>
     </p:extLst>
   </p:cSld>
@@ -1324,12 +1408,12 @@
               <a:defRPr/>
             </a:pPr>
             <a:r>
-              <a:rPr lang="en-US"/>
-              <a:t>Close with future scalability and roadmap.</a:t>
-            </a:r>
-          </a:p>
-          <a:p>
-            <a:endParaRPr lang="en-US"/>
+              <a:rPr lang="en-US" dirty="0"/>
+              <a:t>Important slide for security teams and DBAs.</a:t>
+            </a:r>
+          </a:p>
+          <a:p>
+            <a:endParaRPr lang="en-US" dirty="0"/>
           </a:p>
         </p:txBody>
       </p:sp>
@@ -1350,7 +1434,7 @@
           <a:p>
             <a:fld id="{0C5FD791-366A-4A16-B46A-BA17DCF875ED}" type="slidenum">
               <a:rPr lang="en-US" smtClean="0"/>
-              <a:t>10</a:t>
+              <a:t>8</a:t>
             </a:fld>
             <a:endParaRPr lang="en-US"/>
           </a:p>
@@ -1359,7 +1443,91 @@
     </p:spTree>
     <p:extLst>
       <p:ext uri="{BB962C8B-B14F-4D97-AF65-F5344CB8AC3E}">
-        <p14:creationId xmlns:p14="http://schemas.microsoft.com/office/powerpoint/2010/main" val="1089205198"/>
+        <p14:creationId xmlns:p14="http://schemas.microsoft.com/office/powerpoint/2010/main" val="4282328155"/>
+      </p:ext>
+    </p:extLst>
+  </p:cSld>
+  <p:clrMapOvr>
+    <a:masterClrMapping/>
+  </p:clrMapOvr>
+</p:notes>
+</file>
+
+<file path=ppt/notesSlides/notesSlide9.xml><?xml version="1.0" encoding="utf-8"?>
+<p:notes xmlns:a="http://schemas.openxmlformats.org/drawingml/2006/main" xmlns:r="http://schemas.openxmlformats.org/officeDocument/2006/relationships" xmlns:p="http://schemas.openxmlformats.org/presentationml/2006/main">
+  <p:cSld>
+    <p:spTree>
+      <p:nvGrpSpPr>
+        <p:cNvPr id="1" name=""/>
+        <p:cNvGrpSpPr/>
+        <p:nvPr/>
+      </p:nvGrpSpPr>
+      <p:grpSpPr>
+        <a:xfrm>
+          <a:off x="0" y="0"/>
+          <a:ext cx="0" cy="0"/>
+          <a:chOff x="0" y="0"/>
+          <a:chExt cx="0" cy="0"/>
+        </a:xfrm>
+      </p:grpSpPr>
+      <p:sp>
+        <p:nvSpPr>
+          <p:cNvPr id="2" name="Slide Image Placeholder 1"/>
+          <p:cNvSpPr>
+            <a:spLocks noGrp="1" noRot="1" noChangeAspect="1"/>
+          </p:cNvSpPr>
+          <p:nvPr>
+            <p:ph type="sldImg"/>
+          </p:nvPr>
+        </p:nvSpPr>
+        <p:spPr/>
+      </p:sp>
+      <p:sp>
+        <p:nvSpPr>
+          <p:cNvPr id="3" name="Notes Placeholder 2"/>
+          <p:cNvSpPr>
+            <a:spLocks noGrp="1"/>
+          </p:cNvSpPr>
+          <p:nvPr>
+            <p:ph type="body" idx="1"/>
+          </p:nvPr>
+        </p:nvSpPr>
+        <p:spPr/>
+        <p:txBody>
+          <a:bodyPr/>
+          <a:lstStyle/>
+          <a:p>
+            <a:endParaRPr lang="pt-BR"/>
+          </a:p>
+        </p:txBody>
+      </p:sp>
+      <p:sp>
+        <p:nvSpPr>
+          <p:cNvPr id="4" name="Slide Number Placeholder 3"/>
+          <p:cNvSpPr>
+            <a:spLocks noGrp="1"/>
+          </p:cNvSpPr>
+          <p:nvPr>
+            <p:ph type="sldNum" sz="quarter" idx="5"/>
+          </p:nvPr>
+        </p:nvSpPr>
+        <p:spPr/>
+        <p:txBody>
+          <a:bodyPr/>
+          <a:lstStyle/>
+          <a:p>
+            <a:fld id="{0C5FD791-366A-4A16-B46A-BA17DCF875ED}" type="slidenum">
+              <a:rPr lang="en-US" smtClean="0"/>
+              <a:t>9</a:t>
+            </a:fld>
+            <a:endParaRPr lang="en-US"/>
+          </a:p>
+        </p:txBody>
+      </p:sp>
+    </p:spTree>
+    <p:extLst>
+      <p:ext uri="{BB962C8B-B14F-4D97-AF65-F5344CB8AC3E}">
+        <p14:creationId xmlns:p14="http://schemas.microsoft.com/office/powerpoint/2010/main" val="240331954"/>
       </p:ext>
     </p:extLst>
   </p:cSld>
@@ -1548,7 +1716,7 @@
           <a:p>
             <a:fld id="{5BCAD085-E8A6-8845-BD4E-CB4CCA059FC4}" type="datetimeFigureOut">
               <a:rPr lang="en-US" smtClean="0"/>
-              <a:t>2/13/2026</a:t>
+              <a:t>2/17/2026</a:t>
             </a:fld>
             <a:endParaRPr lang="en-US"/>
           </a:p>
@@ -1716,7 +1884,7 @@
           <a:p>
             <a:fld id="{5BCAD085-E8A6-8845-BD4E-CB4CCA059FC4}" type="datetimeFigureOut">
               <a:rPr lang="en-US" smtClean="0"/>
-              <a:t>2/13/2026</a:t>
+              <a:t>2/17/2026</a:t>
             </a:fld>
             <a:endParaRPr lang="en-US"/>
           </a:p>
@@ -1894,7 +2062,7 @@
           <a:p>
             <a:fld id="{5BCAD085-E8A6-8845-BD4E-CB4CCA059FC4}" type="datetimeFigureOut">
               <a:rPr lang="en-US" smtClean="0"/>
-              <a:t>2/13/2026</a:t>
+              <a:t>2/17/2026</a:t>
             </a:fld>
             <a:endParaRPr lang="en-US"/>
           </a:p>
@@ -2062,7 +2230,7 @@
           <a:p>
             <a:fld id="{5BCAD085-E8A6-8845-BD4E-CB4CCA059FC4}" type="datetimeFigureOut">
               <a:rPr lang="en-US" smtClean="0"/>
-              <a:t>2/13/2026</a:t>
+              <a:t>2/17/2026</a:t>
             </a:fld>
             <a:endParaRPr lang="en-US"/>
           </a:p>
@@ -2307,7 +2475,7 @@
           <a:p>
             <a:fld id="{5BCAD085-E8A6-8845-BD4E-CB4CCA059FC4}" type="datetimeFigureOut">
               <a:rPr lang="en-US" smtClean="0"/>
-              <a:t>2/13/2026</a:t>
+              <a:t>2/17/2026</a:t>
             </a:fld>
             <a:endParaRPr lang="en-US"/>
           </a:p>
@@ -2592,7 +2760,7 @@
           <a:p>
             <a:fld id="{5BCAD085-E8A6-8845-BD4E-CB4CCA059FC4}" type="datetimeFigureOut">
               <a:rPr lang="en-US" smtClean="0"/>
-              <a:t>2/13/2026</a:t>
+              <a:t>2/17/2026</a:t>
             </a:fld>
             <a:endParaRPr lang="en-US"/>
           </a:p>
@@ -3011,7 +3179,7 @@
           <a:p>
             <a:fld id="{5BCAD085-E8A6-8845-BD4E-CB4CCA059FC4}" type="datetimeFigureOut">
               <a:rPr lang="en-US" smtClean="0"/>
-              <a:t>2/13/2026</a:t>
+              <a:t>2/17/2026</a:t>
             </a:fld>
             <a:endParaRPr lang="en-US"/>
           </a:p>
@@ -3128,7 +3296,7 @@
           <a:p>
             <a:fld id="{5BCAD085-E8A6-8845-BD4E-CB4CCA059FC4}" type="datetimeFigureOut">
               <a:rPr lang="en-US" smtClean="0"/>
-              <a:t>2/13/2026</a:t>
+              <a:t>2/17/2026</a:t>
             </a:fld>
             <a:endParaRPr lang="en-US"/>
           </a:p>
@@ -3223,7 +3391,7 @@
           <a:p>
             <a:fld id="{5BCAD085-E8A6-8845-BD4E-CB4CCA059FC4}" type="datetimeFigureOut">
               <a:rPr lang="en-US" smtClean="0"/>
-              <a:t>2/13/2026</a:t>
+              <a:t>2/17/2026</a:t>
             </a:fld>
             <a:endParaRPr lang="en-US"/>
           </a:p>
@@ -3498,7 +3666,7 @@
           <a:p>
             <a:fld id="{5BCAD085-E8A6-8845-BD4E-CB4CCA059FC4}" type="datetimeFigureOut">
               <a:rPr lang="en-US" smtClean="0"/>
-              <a:t>2/13/2026</a:t>
+              <a:t>2/17/2026</a:t>
             </a:fld>
             <a:endParaRPr lang="en-US"/>
           </a:p>
@@ -3750,7 +3918,7 @@
           <a:p>
             <a:fld id="{5BCAD085-E8A6-8845-BD4E-CB4CCA059FC4}" type="datetimeFigureOut">
               <a:rPr lang="en-US" smtClean="0"/>
-              <a:t>2/13/2026</a:t>
+              <a:t>2/17/2026</a:t>
             </a:fld>
             <a:endParaRPr lang="en-US"/>
           </a:p>
@@ -3961,7 +4129,7 @@
           <a:p>
             <a:fld id="{5BCAD085-E8A6-8845-BD4E-CB4CCA059FC4}" type="datetimeFigureOut">
               <a:rPr lang="en-US" smtClean="0"/>
-              <a:t>2/13/2026</a:t>
+              <a:t>2/17/2026</a:t>
             </a:fld>
             <a:endParaRPr lang="en-US"/>
           </a:p>
@@ -5908,4 +6076,10 @@
     </a:ext>
   </a:extLst>
 </a:theme>
+</file>
+
+<file path=docMetadata/LabelInfo.xml><?xml version="1.0" encoding="utf-8"?>
+<clbl:labelList xmlns:clbl="http://schemas.microsoft.com/office/2020/mipLabelMetadata">
+  <clbl:label id="{48141450-2387-4aca-b41f-19cd6be9dd3c}" enabled="1" method="Standard" siteId="{adf10e2b-b6e9-41d6-be2f-c12bb566019c}" contentBits="0" removed="0"/>
+</clbl:labelList>
 </file>